--- a/ppt/css3/css3-media.pptx
+++ b/ppt/css3/css3-media.pptx
@@ -5,10 +5,10 @@
     <p:sldMasterId id="2147483648" r:id="rId2"/>
   </p:sldMasterIdLst>
   <p:notesMasterIdLst>
-    <p:notesMasterId r:id="rId10"/>
+    <p:notesMasterId r:id="rId12"/>
   </p:notesMasterIdLst>
   <p:handoutMasterIdLst>
-    <p:handoutMasterId r:id="rId11"/>
+    <p:handoutMasterId r:id="rId13"/>
   </p:handoutMasterIdLst>
   <p:sldIdLst>
     <p:sldId id="256" r:id="rId3"/>
@@ -17,7 +17,9 @@
     <p:sldId id="272" r:id="rId6"/>
     <p:sldId id="273" r:id="rId7"/>
     <p:sldId id="274" r:id="rId8"/>
-    <p:sldId id="275" r:id="rId9"/>
+    <p:sldId id="276" r:id="rId9"/>
+    <p:sldId id="275" r:id="rId10"/>
+    <p:sldId id="277" r:id="rId11"/>
   </p:sldIdLst>
   <p:sldSz cx="12192000" cy="6858000"/>
   <p:notesSz cx="6858000" cy="9144000"/>
@@ -4490,24 +4492,12 @@
           <a:lstStyle/>
           <a:p>
             <a:r>
+              <a:rPr lang="en-US" altLang="zh-CN" dirty="0" smtClean="0"/>
+              <a:t>@media  all | not | only  mediatype  </a:t>
+            </a:r>
+            <a:r>
               <a:rPr lang="en-US" altLang="zh-CN" dirty="0"/>
-              <a:t>@media </a:t>
-            </a:r>
-            <a:r>
-              <a:rPr lang="en-US" altLang="zh-CN" dirty="0" err="1"/>
-              <a:t>not|only</a:t>
-            </a:r>
-            <a:r>
-              <a:rPr lang="en-US" altLang="zh-CN" dirty="0"/>
-              <a:t> </a:t>
-            </a:r>
-            <a:r>
-              <a:rPr lang="en-US" altLang="zh-CN" dirty="0" err="1"/>
-              <a:t>mediatype</a:t>
-            </a:r>
-            <a:r>
-              <a:rPr lang="en-US" altLang="zh-CN" dirty="0"/>
-              <a:t> and (expressions) {</a:t>
+              <a:t>and (expressions) {</a:t>
             </a:r>
           </a:p>
           <a:p>
@@ -4536,26 +4526,26 @@
           <a:p>
             <a:r>
               <a:rPr lang="zh-CN" altLang="en-US" dirty="0" smtClean="0"/>
-              <a:t>多媒体关键字</a:t>
-            </a:r>
-            <a:r>
-              <a:rPr lang="en-US" altLang="zh-CN" dirty="0"/>
-              <a:t> </a:t>
-            </a:r>
-            <a:r>
-              <a:rPr lang="en-US" altLang="zh-CN" dirty="0" smtClean="0"/>
-              <a:t>  </a:t>
-            </a:r>
+              <a:t>媒体查询方法  </a:t>
+            </a:r>
+            <a:endParaRPr lang="en-US" altLang="zh-CN" dirty="0" smtClean="0"/>
+          </a:p>
+          <a:p>
             <a:r>
               <a:rPr lang="zh-CN" altLang="en-US" dirty="0" smtClean="0"/>
-              <a:t>媒体查询方法  媒体查询类型  </a:t>
-            </a:r>
+              <a:t>媒体查询类型  </a:t>
+            </a:r>
+            <a:endParaRPr lang="en-US" altLang="zh-CN" dirty="0" smtClean="0"/>
+          </a:p>
+          <a:p>
             <a:r>
               <a:rPr lang="en-US" altLang="zh-CN" dirty="0" smtClean="0"/>
               <a:t>and  </a:t>
             </a:r>
-            <a:r>
-              <a:rPr lang="en-US" altLang="zh-CN" dirty="0" err="1" smtClean="0"/>
+          </a:p>
+          <a:p>
+            <a:r>
+              <a:rPr lang="en-US" altLang="zh-CN" dirty="0" smtClean="0"/>
               <a:t>css</a:t>
             </a:r>
             <a:r>
@@ -4805,8 +4795,17 @@
             </a:r>
             <a:r>
               <a:rPr lang="en-US" altLang="zh-CN" dirty="0" smtClean="0"/>
-              <a:t>all</a:t>
-            </a:r>
+              <a:t>all                         </a:t>
+            </a:r>
+            <a:r>
+              <a:rPr lang="zh-CN" altLang="en-US" dirty="0" smtClean="0"/>
+              <a:t>用于</a:t>
+            </a:r>
+            <a:r>
+              <a:rPr lang="zh-CN" altLang="en-US" dirty="0"/>
+              <a:t>所有多媒体类型设备</a:t>
+            </a:r>
+            <a:endParaRPr lang="en-US" altLang="zh-CN" dirty="0" smtClean="0"/>
           </a:p>
           <a:p>
             <a:r>
@@ -4819,7 +4818,15 @@
             </a:r>
             <a:r>
               <a:rPr lang="en-US" altLang="zh-CN" dirty="0" smtClean="0"/>
-              <a:t>print</a:t>
+              <a:t>print                     </a:t>
+            </a:r>
+            <a:r>
+              <a:rPr lang="zh-CN" altLang="en-US" dirty="0" smtClean="0"/>
+              <a:t>用于</a:t>
+            </a:r>
+            <a:r>
+              <a:rPr lang="zh-CN" altLang="en-US" dirty="0"/>
+              <a:t>打印机</a:t>
             </a:r>
             <a:endParaRPr lang="en-US" altLang="zh-CN" dirty="0"/>
           </a:p>
@@ -4836,6 +4843,22 @@
               <a:rPr lang="en-US" altLang="zh-CN" dirty="0" smtClean="0"/>
               <a:t>screen</a:t>
             </a:r>
+            <a:r>
+              <a:rPr lang="zh-CN" altLang="en-US" dirty="0"/>
+              <a:t> </a:t>
+            </a:r>
+            <a:r>
+              <a:rPr lang="zh-CN" altLang="en-US" dirty="0" smtClean="0"/>
+              <a:t>                 用于</a:t>
+            </a:r>
+            <a:r>
+              <a:rPr lang="zh-CN" altLang="en-US" dirty="0"/>
+              <a:t>电脑屏幕，平板，智能手机等。</a:t>
+            </a:r>
+            <a:r>
+              <a:rPr lang="en-US" altLang="zh-CN" dirty="0" smtClean="0"/>
+              <a:t>                  </a:t>
+            </a:r>
           </a:p>
           <a:p>
             <a:r>
@@ -4848,7 +4871,15 @@
             </a:r>
             <a:r>
               <a:rPr lang="en-US" altLang="zh-CN" dirty="0" smtClean="0"/>
-              <a:t>speech</a:t>
+              <a:t>speech                 </a:t>
+            </a:r>
+            <a:r>
+              <a:rPr lang="zh-CN" altLang="en-US" dirty="0" smtClean="0"/>
+              <a:t>用于</a:t>
+            </a:r>
+            <a:r>
+              <a:rPr lang="zh-CN" altLang="en-US" dirty="0"/>
+              <a:t>屏幕阅读器</a:t>
             </a:r>
             <a:endParaRPr lang="en-US" altLang="zh-CN" dirty="0"/>
           </a:p>
@@ -4915,8 +4946,162 @@
           <a:lstStyle/>
           <a:p>
             <a:r>
+              <a:rPr lang="en-US" altLang="zh-CN" dirty="0"/>
+              <a:t>Css3 </a:t>
+            </a:r>
+            <a:r>
+              <a:rPr lang="zh-CN" altLang="en-US" dirty="0" smtClean="0"/>
+              <a:t>多媒体查询</a:t>
+            </a:r>
+            <a:r>
+              <a:rPr lang="en-US" altLang="zh-CN" dirty="0" smtClean="0"/>
+              <a:t>-</a:t>
+            </a:r>
+            <a:r>
+              <a:rPr lang="zh-CN" altLang="en-US" dirty="0" smtClean="0"/>
+              <a:t>示例</a:t>
+            </a:r>
+            <a:endParaRPr lang="zh-CN" altLang="en-US" dirty="0"/>
+          </a:p>
+        </p:txBody>
+      </p:sp>
+      <p:sp>
+        <p:nvSpPr>
+          <p:cNvPr id="3" name="内容占位符 2"/>
+          <p:cNvSpPr>
+            <a:spLocks noGrp="1"/>
+          </p:cNvSpPr>
+          <p:nvPr>
+            <p:ph idx="1"/>
+          </p:nvPr>
+        </p:nvSpPr>
+        <p:spPr/>
+        <p:txBody>
+          <a:bodyPr/>
+          <a:lstStyle/>
+          <a:p>
+            <a:r>
+              <a:rPr lang="en-US" altLang="zh-CN" dirty="0"/>
+              <a:t>@media screen and (min-width: 480px) {</a:t>
+            </a:r>
+          </a:p>
+          <a:p>
+            <a:r>
+              <a:rPr lang="en-US" altLang="zh-CN" dirty="0"/>
+              <a:t>    body {</a:t>
+            </a:r>
+          </a:p>
+          <a:p>
+            <a:r>
+              <a:rPr lang="en-US" altLang="zh-CN" dirty="0"/>
+              <a:t>        background-color: </a:t>
+            </a:r>
+            <a:r>
+              <a:rPr lang="en-US" altLang="zh-CN" dirty="0" err="1"/>
+              <a:t>lightgreen</a:t>
+            </a:r>
+            <a:r>
+              <a:rPr lang="en-US" altLang="zh-CN" dirty="0"/>
+              <a:t>;</a:t>
+            </a:r>
+          </a:p>
+          <a:p>
+            <a:r>
+              <a:rPr lang="en-US" altLang="zh-CN" dirty="0"/>
+              <a:t>    }</a:t>
+            </a:r>
+          </a:p>
+          <a:p>
+            <a:r>
+              <a:rPr lang="en-US" altLang="zh-CN" dirty="0" smtClean="0"/>
+              <a:t>}</a:t>
+            </a:r>
+          </a:p>
+          <a:p>
+            <a:endParaRPr lang="zh-CN" altLang="en-US" dirty="0"/>
+          </a:p>
+        </p:txBody>
+      </p:sp>
+    </p:spTree>
+    <p:extLst>
+      <p:ext uri="{BB962C8B-B14F-4D97-AF65-F5344CB8AC3E}">
+        <p14:creationId xmlns:p14="http://schemas.microsoft.com/office/powerpoint/2010/main" val="995006753"/>
+      </p:ext>
+    </p:extLst>
+  </p:cSld>
+  <p:clrMapOvr>
+    <a:masterClrMapping/>
+  </p:clrMapOvr>
+  <mc:AlternateContent xmlns:mc="http://schemas.openxmlformats.org/markup-compatibility/2006" xmlns:p14="http://schemas.microsoft.com/office/powerpoint/2010/main">
+    <mc:Choice Requires="p14">
+      <p:transition spd="med" p14:dur="700">
+        <p:fade/>
+      </p:transition>
+    </mc:Choice>
+    <mc:Fallback xmlns="">
+      <p:transition spd="med">
+        <p:fade/>
+      </p:transition>
+    </mc:Fallback>
+  </mc:AlternateContent>
+</p:sld>
+</file>
+
+<file path=ppt/slides/slide8.xml><?xml version="1.0" encoding="utf-8"?>
+<p:sld xmlns:a="http://schemas.openxmlformats.org/drawingml/2006/main" xmlns:r="http://schemas.openxmlformats.org/officeDocument/2006/relationships" xmlns:p="http://schemas.openxmlformats.org/presentationml/2006/main">
+  <p:cSld>
+    <p:spTree>
+      <p:nvGrpSpPr>
+        <p:cNvPr id="1" name=""/>
+        <p:cNvGrpSpPr/>
+        <p:nvPr/>
+      </p:nvGrpSpPr>
+      <p:grpSpPr>
+        <a:xfrm>
+          <a:off x="0" y="0"/>
+          <a:ext cx="0" cy="0"/>
+          <a:chOff x="0" y="0"/>
+          <a:chExt cx="0" cy="0"/>
+        </a:xfrm>
+      </p:grpSpPr>
+      <p:sp>
+        <p:nvSpPr>
+          <p:cNvPr id="2" name="标题 1"/>
+          <p:cNvSpPr>
+            <a:spLocks noGrp="1"/>
+          </p:cNvSpPr>
+          <p:nvPr>
+            <p:ph type="title"/>
+          </p:nvPr>
+        </p:nvSpPr>
+        <p:spPr/>
+        <p:txBody>
+          <a:bodyPr/>
+          <a:lstStyle/>
+          <a:p>
+            <a:r>
+              <a:rPr lang="en-US" altLang="zh-CN" dirty="0"/>
+              <a:t>Css3 </a:t>
+            </a:r>
+            <a:r>
               <a:rPr lang="zh-CN" altLang="en-US" dirty="0"/>
-              <a:t>在不同的媒体上使用不同的样式文件：</a:t>
+              <a:t>多媒体查询</a:t>
+            </a:r>
+            <a:r>
+              <a:rPr lang="en-US" altLang="zh-CN" dirty="0" smtClean="0"/>
+              <a:t>-</a:t>
+            </a:r>
+            <a:r>
+              <a:rPr lang="en-US" altLang="zh-CN" dirty="0"/>
+              <a:t>-</a:t>
+            </a:r>
+            <a:r>
+              <a:rPr lang="zh-CN" altLang="en-US" dirty="0" smtClean="0"/>
+              <a:t>在</a:t>
+            </a:r>
+            <a:r>
+              <a:rPr lang="zh-CN" altLang="en-US" dirty="0"/>
+              <a:t>不同的媒体上使用不同的样式文件：</a:t>
             </a:r>
           </a:p>
         </p:txBody>
@@ -4946,15 +5131,7 @@
             </a:r>
             <a:r>
               <a:rPr lang="en-US" altLang="zh-CN" dirty="0"/>
-              <a:t>="stylesheet" media="</a:t>
-            </a:r>
-            <a:r>
-              <a:rPr lang="en-US" altLang="zh-CN" dirty="0" err="1"/>
-              <a:t>mediatype</a:t>
-            </a:r>
-            <a:r>
-              <a:rPr lang="en-US" altLang="zh-CN" dirty="0"/>
-              <a:t> </a:t>
+              <a:t>="stylesheet" media="mediatype </a:t>
             </a:r>
             <a:r>
               <a:rPr lang="en-US" altLang="zh-CN" dirty="0" err="1"/>
@@ -4990,7 +5167,7 @@
               <a:t>演示</a:t>
             </a:r>
             <a:r>
-              <a:rPr lang="en-US" altLang="zh-CN" dirty="0" err="1" smtClean="0"/>
+              <a:rPr lang="en-US" altLang="zh-CN" dirty="0" smtClean="0"/>
               <a:t>css</a:t>
             </a:r>
             <a:r>
@@ -5005,6 +5182,153 @@
     <p:extLst>
       <p:ext uri="{BB962C8B-B14F-4D97-AF65-F5344CB8AC3E}">
         <p14:creationId xmlns:p14="http://schemas.microsoft.com/office/powerpoint/2010/main" val="3392805685"/>
+      </p:ext>
+    </p:extLst>
+  </p:cSld>
+  <p:clrMapOvr>
+    <a:masterClrMapping/>
+  </p:clrMapOvr>
+  <mc:AlternateContent xmlns:mc="http://schemas.openxmlformats.org/markup-compatibility/2006" xmlns:p14="http://schemas.microsoft.com/office/powerpoint/2010/main">
+    <mc:Choice Requires="p14">
+      <p:transition spd="med" p14:dur="700">
+        <p:fade/>
+      </p:transition>
+    </mc:Choice>
+    <mc:Fallback xmlns="">
+      <p:transition spd="med">
+        <p:fade/>
+      </p:transition>
+    </mc:Fallback>
+  </mc:AlternateContent>
+</p:sld>
+</file>
+
+<file path=ppt/slides/slide9.xml><?xml version="1.0" encoding="utf-8"?>
+<p:sld xmlns:a="http://schemas.openxmlformats.org/drawingml/2006/main" xmlns:r="http://schemas.openxmlformats.org/officeDocument/2006/relationships" xmlns:p="http://schemas.openxmlformats.org/presentationml/2006/main">
+  <p:cSld>
+    <p:spTree>
+      <p:nvGrpSpPr>
+        <p:cNvPr id="1" name=""/>
+        <p:cNvGrpSpPr/>
+        <p:nvPr/>
+      </p:nvGrpSpPr>
+      <p:grpSpPr>
+        <a:xfrm>
+          <a:off x="0" y="0"/>
+          <a:ext cx="0" cy="0"/>
+          <a:chOff x="0" y="0"/>
+          <a:chExt cx="0" cy="0"/>
+        </a:xfrm>
+      </p:grpSpPr>
+      <p:sp>
+        <p:nvSpPr>
+          <p:cNvPr id="2" name="标题 1"/>
+          <p:cNvSpPr>
+            <a:spLocks noGrp="1"/>
+          </p:cNvSpPr>
+          <p:nvPr>
+            <p:ph type="title"/>
+          </p:nvPr>
+        </p:nvSpPr>
+        <p:spPr/>
+        <p:txBody>
+          <a:bodyPr/>
+          <a:lstStyle/>
+          <a:p>
+            <a:r>
+              <a:rPr lang="en-US" altLang="zh-CN" dirty="0"/>
+              <a:t>Css3 </a:t>
+            </a:r>
+            <a:r>
+              <a:rPr lang="zh-CN" altLang="en-US" dirty="0"/>
+              <a:t>多媒体查询</a:t>
+            </a:r>
+            <a:r>
+              <a:rPr lang="en-US" altLang="zh-CN" dirty="0"/>
+              <a:t>-</a:t>
+            </a:r>
+            <a:r>
+              <a:rPr lang="zh-CN" altLang="en-US" dirty="0" smtClean="0"/>
+              <a:t>示例</a:t>
+            </a:r>
+            <a:r>
+              <a:rPr lang="en-US" altLang="zh-CN" dirty="0" smtClean="0"/>
+              <a:t>2</a:t>
+            </a:r>
+            <a:endParaRPr lang="zh-CN" altLang="en-US" dirty="0"/>
+          </a:p>
+        </p:txBody>
+      </p:sp>
+      <p:sp>
+        <p:nvSpPr>
+          <p:cNvPr id="3" name="内容占位符 2"/>
+          <p:cNvSpPr>
+            <a:spLocks noGrp="1"/>
+          </p:cNvSpPr>
+          <p:nvPr>
+            <p:ph idx="1"/>
+          </p:nvPr>
+        </p:nvSpPr>
+        <p:spPr/>
+        <p:txBody>
+          <a:bodyPr/>
+          <a:lstStyle/>
+          <a:p>
+            <a:r>
+              <a:rPr lang="en-US" altLang="zh-CN" dirty="0"/>
+              <a:t>@media screen and (min-width: 480px) {</a:t>
+            </a:r>
+            <a:r>
+              <a:rPr lang="en-US" altLang="zh-CN" dirty="0"/>
+              <a:t/>
+            </a:r>
+            <a:br>
+              <a:rPr lang="en-US" altLang="zh-CN" dirty="0"/>
+            </a:br>
+            <a:r>
+              <a:rPr lang="en-US" altLang="zh-CN" dirty="0"/>
+              <a:t>    #</a:t>
+            </a:r>
+            <a:r>
+              <a:rPr lang="en-US" altLang="zh-CN" dirty="0" err="1"/>
+              <a:t>leftsidebar</a:t>
+            </a:r>
+            <a:r>
+              <a:rPr lang="en-US" altLang="zh-CN" dirty="0"/>
+              <a:t> {width: 200px; float: left;}</a:t>
+            </a:r>
+            <a:r>
+              <a:rPr lang="en-US" altLang="zh-CN" dirty="0"/>
+              <a:t/>
+            </a:r>
+            <a:br>
+              <a:rPr lang="en-US" altLang="zh-CN" dirty="0"/>
+            </a:br>
+            <a:r>
+              <a:rPr lang="en-US" altLang="zh-CN" dirty="0"/>
+              <a:t>    #main {margin-left:216px;}</a:t>
+            </a:r>
+            <a:r>
+              <a:rPr lang="en-US" altLang="zh-CN"/>
+              <a:t/>
+            </a:r>
+            <a:br>
+              <a:rPr lang="en-US" altLang="zh-CN"/>
+            </a:br>
+            <a:r>
+              <a:rPr lang="en-US" altLang="zh-CN" smtClean="0"/>
+              <a:t>}</a:t>
+            </a:r>
+          </a:p>
+          <a:p>
+            <a:endParaRPr lang="zh-CN" altLang="en-US" dirty="0"/>
+          </a:p>
+        </p:txBody>
+      </p:sp>
+    </p:spTree>
+    <p:extLst>
+      <p:ext uri="{BB962C8B-B14F-4D97-AF65-F5344CB8AC3E}">
+        <p14:creationId xmlns:p14="http://schemas.microsoft.com/office/powerpoint/2010/main" val="769510862"/>
       </p:ext>
     </p:extLst>
   </p:cSld>

--- a/ppt/css3/css3-media.pptx
+++ b/ppt/css3/css3-media.pptx
@@ -211,7 +211,7 @@
           <a:p>
             <a:fld id="{20EA5F0D-C1DC-412F-A146-DDB3A74B588F}" type="datetimeFigureOut">
               <a:rPr lang="en-US" altLang="zh-CN"/>
-              <a:t>12/4/2016</a:t>
+              <a:t>12/5/2016</a:t>
             </a:fld>
             <a:endParaRPr lang="zh-CN"/>
           </a:p>
@@ -375,7 +375,7 @@
           </a:lstStyle>
           <a:p>
             <a:fld id="{A8CDE508-72C8-4AB5-AA9C-1584D31690E0}" type="datetimeFigureOut">
-              <a:t>2016/12/4</a:t>
+              <a:t>2016/12/5</a:t>
             </a:fld>
             <a:endParaRPr lang="zh-CN"/>
           </a:p>
@@ -990,7 +990,7 @@
           <a:lstStyle/>
           <a:p>
             <a:fld id="{9E583DDF-CA54-461A-A486-592D2374C532}" type="datetimeFigureOut">
-              <a:t>2016/12/4</a:t>
+              <a:t>2016/12/5</a:t>
             </a:fld>
             <a:endParaRPr lang="zh-CN"/>
           </a:p>
@@ -1180,7 +1180,7 @@
           <a:lstStyle/>
           <a:p>
             <a:fld id="{9E583DDF-CA54-461A-A486-592D2374C532}" type="datetimeFigureOut">
-              <a:t>2016/12/4</a:t>
+              <a:t>2016/12/5</a:t>
             </a:fld>
             <a:endParaRPr lang="zh-CN"/>
           </a:p>
@@ -1360,7 +1360,7 @@
           <a:lstStyle/>
           <a:p>
             <a:fld id="{9E583DDF-CA54-461A-A486-592D2374C532}" type="datetimeFigureOut">
-              <a:t>2016/12/4</a:t>
+              <a:t>2016/12/5</a:t>
             </a:fld>
             <a:endParaRPr lang="zh-CN"/>
           </a:p>
@@ -1671,7 +1671,7 @@
           <a:lstStyle/>
           <a:p>
             <a:fld id="{9E583DDF-CA54-461A-A486-592D2374C532}" type="datetimeFigureOut">
-              <a:t>2016/12/4</a:t>
+              <a:t>2016/12/5</a:t>
             </a:fld>
             <a:endParaRPr lang="zh-CN"/>
           </a:p>
@@ -1978,7 +1978,7 @@
           <a:lstStyle/>
           <a:p>
             <a:fld id="{0A879FD0-C37A-4F50-8F3B-5FA0D9D0B42F}" type="datetimeFigureOut">
-              <a:t>2016/12/4</a:t>
+              <a:t>2016/12/5</a:t>
             </a:fld>
             <a:endParaRPr lang="zh-CN"/>
           </a:p>
@@ -2432,7 +2432,7 @@
           <a:lstStyle/>
           <a:p>
             <a:fld id="{9E583DDF-CA54-461A-A486-592D2374C532}" type="datetimeFigureOut">
-              <a:t>2016/12/4</a:t>
+              <a:t>2016/12/5</a:t>
             </a:fld>
             <a:endParaRPr lang="zh-CN"/>
           </a:p>
@@ -2567,7 +2567,7 @@
           <a:lstStyle/>
           <a:p>
             <a:fld id="{9E583DDF-CA54-461A-A486-592D2374C532}" type="datetimeFigureOut">
-              <a:t>2016/12/4</a:t>
+              <a:t>2016/12/5</a:t>
             </a:fld>
             <a:endParaRPr lang="zh-CN"/>
           </a:p>
@@ -2717,7 +2717,7 @@
           <a:lstStyle/>
           <a:p>
             <a:fld id="{9E583DDF-CA54-461A-A486-592D2374C532}" type="datetimeFigureOut">
-              <a:t>2016/12/4</a:t>
+              <a:t>2016/12/5</a:t>
             </a:fld>
             <a:endParaRPr lang="zh-CN"/>
           </a:p>
@@ -3013,7 +3013,7 @@
           <a:lstStyle/>
           <a:p>
             <a:fld id="{9E583DDF-CA54-461A-A486-592D2374C532}" type="datetimeFigureOut">
-              <a:t>2016/12/4</a:t>
+              <a:t>2016/12/5</a:t>
             </a:fld>
             <a:endParaRPr lang="zh-CN"/>
           </a:p>
@@ -3297,7 +3297,7 @@
           <a:lstStyle/>
           <a:p>
             <a:fld id="{9E583DDF-CA54-461A-A486-592D2374C532}" type="datetimeFigureOut">
-              <a:t>2016/12/4</a:t>
+              <a:t>2016/12/5</a:t>
             </a:fld>
             <a:endParaRPr lang="zh-CN"/>
           </a:p>
@@ -3570,7 +3570,7 @@
             <a:fld id="{9E583DDF-CA54-461A-A486-592D2374C532}" type="datetimeFigureOut">
               <a:rPr lang="en-US" altLang="zh-CN" smtClean="0"/>
               <a:pPr/>
-              <a:t>12/4/2016</a:t>
+              <a:t>12/5/2016</a:t>
             </a:fld>
             <a:endParaRPr lang="zh-CN" altLang="en-US"/>
           </a:p>
@@ -4040,9 +4040,17 @@
           <a:p>
             <a:r>
               <a:rPr lang="en-US" altLang="zh-CN" dirty="0" smtClean="0"/>
-              <a:t>@media</a:t>
-            </a:r>
-            <a:endParaRPr lang="zh-CN" dirty="0"/>
+              <a:t>@</a:t>
+            </a:r>
+            <a:r>
+              <a:rPr lang="en-US" altLang="zh-CN" dirty="0" smtClean="0"/>
+              <a:t>media </a:t>
+            </a:r>
+            <a:r>
+              <a:rPr lang="en-US" altLang="zh-CN" sz="1200" dirty="0" smtClean="0"/>
+              <a:t>2016/12/5</a:t>
+            </a:r>
+            <a:endParaRPr lang="zh-CN" sz="1200" dirty="0"/>
           </a:p>
         </p:txBody>
       </p:sp>
@@ -5278,10 +5286,6 @@
               <a:rPr lang="en-US" altLang="zh-CN" dirty="0"/>
               <a:t>@media screen and (min-width: 480px) {</a:t>
             </a:r>
-            <a:r>
-              <a:rPr lang="en-US" altLang="zh-CN" dirty="0"/>
-              <a:t/>
-            </a:r>
             <a:br>
               <a:rPr lang="en-US" altLang="zh-CN" dirty="0"/>
             </a:br>
@@ -5296,10 +5300,6 @@
             <a:r>
               <a:rPr lang="en-US" altLang="zh-CN" dirty="0"/>
               <a:t> {width: 200px; float: left;}</a:t>
-            </a:r>
-            <a:r>
-              <a:rPr lang="en-US" altLang="zh-CN" dirty="0"/>
-              <a:t/>
             </a:r>
             <a:br>
               <a:rPr lang="en-US" altLang="zh-CN" dirty="0"/>
